--- a/Augmentacija_PDF.pptx
+++ b/Augmentacija_PDF.pptx
@@ -51,14 +51,14 @@
       <p:regular r:id="rId37"/>
     </p:embeddedFont>
     <p:embeddedFont>
-      <p:font typeface="Crimson Text" charset="0"/>
+      <p:font typeface="Montserrat" charset="0"/>
       <p:regular r:id="rId38"/>
       <p:bold r:id="rId39"/>
       <p:italic r:id="rId40"/>
       <p:boldItalic r:id="rId41"/>
     </p:embeddedFont>
     <p:embeddedFont>
-      <p:font typeface="Montserrat" charset="0"/>
+      <p:font typeface="Crimson Text" charset="0"/>
       <p:regular r:id="rId42"/>
       <p:bold r:id="rId43"/>
       <p:italic r:id="rId44"/>
@@ -10625,16 +10625,8 @@
               <a:buNone/>
             </a:pPr>
             <a:r>
-              <a:rPr lang="en-US" sz="3200" dirty="0" err="1" smtClean="0"/>
-              <a:t>Transformacija</a:t>
-            </a:r>
-            <a:r>
-              <a:rPr lang="en-US" sz="3200" dirty="0" smtClean="0"/>
-              <a:t> </a:t>
-            </a:r>
-            <a:r>
-              <a:rPr lang="en-US" sz="3200" dirty="0" err="1" smtClean="0"/>
-              <a:t>podataka</a:t>
+              <a:rPr lang="sr-Latn-RS" sz="3200" dirty="0" smtClean="0"/>
+              <a:t>Augmentacija tekstualnih podataka</a:t>
             </a:r>
             <a:endParaRPr sz="3200" dirty="0"/>
           </a:p>
@@ -10741,13 +10733,16 @@
                   <a:schemeClr val="dk1"/>
                 </a:solidFill>
               </a:rPr>
-              <a:t>Stanimirovic</a:t>
-            </a:r>
-            <a:endParaRPr lang="sr-Latn-RS" dirty="0" smtClean="0">
-              <a:solidFill>
-                <a:schemeClr val="dk1"/>
-              </a:solidFill>
-            </a:endParaRPr>
+              <a:t>Stanimirovi</a:t>
+            </a:r>
+            <a:r>
+              <a:rPr lang="sr-Latn-RS" dirty="0" smtClean="0">
+                <a:solidFill>
+                  <a:schemeClr val="dk1"/>
+                </a:solidFill>
+              </a:rPr>
+              <a:t>ć</a:t>
+            </a:r>
           </a:p>
         </p:txBody>
       </p:sp>
@@ -11631,7 +11626,9 @@
               <a:buChar char="•"/>
             </a:pPr>
             <a:r>
-              <a:rPr lang="sr-Latn-RS" sz="1600" dirty="0" smtClean="0"/>
+              <a:rPr lang="sr-Latn-RS" sz="1600" dirty="0" smtClean="0">
+                <a:latin typeface="Montserrat" charset="0"/>
+              </a:rPr>
               <a:t>Tehnike augmentacije tekstualnih podataka koriste se za generisanje novih tekstualnih podataka kako bi se unapredila raznovrsnost i kvalitet skupa podataka</a:t>
             </a:r>
           </a:p>
@@ -11641,7 +11638,9 @@
                 <a:spcPts val="600"/>
               </a:spcBef>
             </a:pPr>
-            <a:endParaRPr lang="sr-Latn-RS" sz="1600" dirty="0" smtClean="0"/>
+            <a:endParaRPr lang="sr-Latn-RS" sz="1600" dirty="0" smtClean="0">
+              <a:latin typeface="Montserrat" charset="0"/>
+            </a:endParaRPr>
           </a:p>
         </p:txBody>
       </p:sp>
@@ -12130,7 +12129,9 @@
               <a:buChar char="•"/>
             </a:pPr>
             <a:r>
-              <a:rPr lang="sr-Latn-RS" sz="1600" dirty="0" smtClean="0"/>
+              <a:rPr lang="sr-Latn-RS" sz="1600" dirty="0" smtClean="0">
+                <a:latin typeface="Montserrat" charset="0"/>
+              </a:rPr>
               <a:t>Kategorija augmentacije koja manipuliše tekstualnim instancama direktno, stvarajući varijacije kako bi se povećala raznovrsnost i kvalitet podataka za treniranje modela</a:t>
             </a:r>
           </a:p>
@@ -12143,7 +12144,9 @@
               <a:buAutoNum type="arabicPeriod"/>
             </a:pPr>
             <a:r>
-              <a:rPr lang="sr-Latn-RS" sz="1600" dirty="0" smtClean="0"/>
+              <a:rPr lang="sr-Latn-RS" sz="1600" dirty="0" smtClean="0">
+                <a:latin typeface="Montserrat" charset="0"/>
+              </a:rPr>
               <a:t>Na nivou karaktera</a:t>
             </a:r>
           </a:p>
@@ -12156,7 +12159,9 @@
               <a:buAutoNum type="arabicPeriod"/>
             </a:pPr>
             <a:r>
-              <a:rPr lang="sr-Latn-RS" sz="1600" dirty="0" smtClean="0"/>
+              <a:rPr lang="sr-Latn-RS" sz="1600" dirty="0" smtClean="0">
+                <a:latin typeface="Montserrat" charset="0"/>
+              </a:rPr>
               <a:t>Na nivou reči</a:t>
             </a:r>
           </a:p>
@@ -12169,7 +12174,9 @@
               <a:buAutoNum type="arabicPeriod"/>
             </a:pPr>
             <a:r>
-              <a:rPr lang="sr-Latn-RS" sz="1600" dirty="0" smtClean="0"/>
+              <a:rPr lang="sr-Latn-RS" sz="1600" dirty="0" smtClean="0">
+                <a:latin typeface="Montserrat" charset="0"/>
+              </a:rPr>
               <a:t>Na nivou fraza i rečenica</a:t>
             </a:r>
           </a:p>
@@ -12182,7 +12189,9 @@
               <a:buAutoNum type="arabicPeriod"/>
             </a:pPr>
             <a:r>
-              <a:rPr lang="sr-Latn-RS" sz="1600" dirty="0" smtClean="0"/>
+              <a:rPr lang="sr-Latn-RS" sz="1600" dirty="0" smtClean="0">
+                <a:latin typeface="Montserrat" charset="0"/>
+              </a:rPr>
               <a:t>Na nivou dokumenta</a:t>
             </a:r>
           </a:p>
@@ -12388,7 +12397,9 @@
               <a:buChar char="•"/>
             </a:pPr>
             <a:r>
-              <a:rPr lang="sr-Latn-RS" sz="1600" dirty="0" smtClean="0"/>
+              <a:rPr lang="sr-Latn-RS" sz="1600" dirty="0" smtClean="0">
+                <a:latin typeface="Montserrat" charset="0"/>
+              </a:rPr>
               <a:t>Transformacije koje se primenjuju na najmanjoj jedinici teksta često koristeći pravila ili uvodeći šum kako bi se simulirale greške u unosu</a:t>
             </a:r>
           </a:p>
@@ -12398,7 +12409,9 @@
                 <a:spcPts val="600"/>
               </a:spcBef>
             </a:pPr>
-            <a:endParaRPr lang="sr-Latn-RS" sz="1600" dirty="0" smtClean="0"/>
+            <a:endParaRPr lang="sr-Latn-RS" sz="1600" dirty="0" smtClean="0">
+              <a:latin typeface="Montserrat" charset="0"/>
+            </a:endParaRPr>
           </a:p>
           <a:p>
             <a:pPr marL="342900" indent="-342900">
@@ -12409,7 +12422,9 @@
               <a:buAutoNum type="arabicPeriod"/>
             </a:pPr>
             <a:r>
-              <a:rPr lang="sr-Latn-RS" sz="1600" dirty="0" smtClean="0"/>
+              <a:rPr lang="sr-Latn-RS" sz="1600" dirty="0" smtClean="0">
+                <a:latin typeface="Montserrat" charset="0"/>
+              </a:rPr>
               <a:t>Simulacija pravopisnih grešaka</a:t>
             </a:r>
           </a:p>
@@ -12422,7 +12437,9 @@
               <a:buAutoNum type="arabicPeriod"/>
             </a:pPr>
             <a:r>
-              <a:rPr lang="sr-Latn-RS" sz="1600" dirty="0" smtClean="0"/>
+              <a:rPr lang="sr-Latn-RS" sz="1600" dirty="0" smtClean="0">
+                <a:latin typeface="Montserrat" charset="0"/>
+              </a:rPr>
               <a:t>Simulacija grešaka u kucanju</a:t>
             </a:r>
           </a:p>
@@ -12435,7 +12452,9 @@
               <a:buAutoNum type="arabicPeriod"/>
             </a:pPr>
             <a:r>
-              <a:rPr lang="sr-Latn-RS" sz="1600" dirty="0" smtClean="0"/>
+              <a:rPr lang="sr-Latn-RS" sz="1600" dirty="0" smtClean="0">
+                <a:latin typeface="Montserrat" charset="0"/>
+              </a:rPr>
               <a:t>Optičko prepoznavanje karaktera</a:t>
             </a:r>
           </a:p>
@@ -12448,7 +12467,9 @@
               <a:buAutoNum type="arabicPeriod"/>
             </a:pPr>
             <a:r>
-              <a:rPr lang="sr-Latn-RS" sz="1600" dirty="0" smtClean="0"/>
+              <a:rPr lang="sr-Latn-RS" sz="1600" dirty="0" smtClean="0">
+                <a:latin typeface="Montserrat" charset="0"/>
+              </a:rPr>
               <a:t>Random augmentacija karaktera</a:t>
             </a:r>
           </a:p>
@@ -12654,7 +12675,9 @@
               <a:buChar char="•"/>
             </a:pPr>
             <a:r>
-              <a:rPr lang="sr-Latn-RS" sz="1600" dirty="0" smtClean="0"/>
+              <a:rPr lang="sr-Latn-RS" sz="1600" dirty="0" smtClean="0">
+                <a:latin typeface="Montserrat" charset="0"/>
+              </a:rPr>
               <a:t>Modifikovanje pojedinačnih reči u rečenici kako bi se generisale varijacije teksta očuvavajući osnovni smisao</a:t>
             </a:r>
           </a:p>
@@ -12664,7 +12687,9 @@
                 <a:spcPts val="600"/>
               </a:spcBef>
             </a:pPr>
-            <a:endParaRPr lang="sr-Latn-RS" sz="1600" dirty="0" smtClean="0"/>
+            <a:endParaRPr lang="sr-Latn-RS" sz="1600" dirty="0" smtClean="0">
+              <a:latin typeface="Montserrat" charset="0"/>
+            </a:endParaRPr>
           </a:p>
           <a:p>
             <a:pPr marL="342900" indent="-342900">
@@ -12675,7 +12700,9 @@
               <a:buAutoNum type="arabicPeriod"/>
             </a:pPr>
             <a:r>
-              <a:rPr lang="sr-Latn-RS" sz="1600" dirty="0" smtClean="0"/>
+              <a:rPr lang="sr-Latn-RS" sz="1600" dirty="0" smtClean="0">
+                <a:latin typeface="Montserrat" charset="0"/>
+              </a:rPr>
               <a:t>Zamena sinonima</a:t>
             </a:r>
           </a:p>
@@ -12688,7 +12715,9 @@
               <a:buAutoNum type="arabicPeriod"/>
             </a:pPr>
             <a:r>
-              <a:rPr lang="sr-Latn-RS" sz="1600" dirty="0" smtClean="0"/>
+              <a:rPr lang="sr-Latn-RS" sz="1600" dirty="0" smtClean="0">
+                <a:latin typeface="Montserrat" charset="0"/>
+              </a:rPr>
               <a:t>Zamena antonima</a:t>
             </a:r>
           </a:p>
@@ -12701,7 +12730,9 @@
               <a:buAutoNum type="arabicPeriod"/>
             </a:pPr>
             <a:r>
-              <a:rPr lang="sr-Latn-RS" sz="1600" dirty="0" smtClean="0"/>
+              <a:rPr lang="sr-Latn-RS" sz="1600" dirty="0" smtClean="0">
+                <a:latin typeface="Montserrat" charset="0"/>
+              </a:rPr>
               <a:t>Umetanje reči</a:t>
             </a:r>
           </a:p>
@@ -12714,7 +12745,9 @@
               <a:buAutoNum type="arabicPeriod"/>
             </a:pPr>
             <a:r>
-              <a:rPr lang="sr-Latn-RS" sz="1600" dirty="0" smtClean="0"/>
+              <a:rPr lang="sr-Latn-RS" sz="1600" dirty="0" smtClean="0">
+                <a:latin typeface="Montserrat" charset="0"/>
+              </a:rPr>
               <a:t>Nasumična zamena</a:t>
             </a:r>
           </a:p>
@@ -12727,7 +12760,9 @@
               <a:buAutoNum type="arabicPeriod"/>
             </a:pPr>
             <a:r>
-              <a:rPr lang="sr-Latn-RS" sz="1600" dirty="0" smtClean="0"/>
+              <a:rPr lang="sr-Latn-RS" sz="1600" dirty="0" smtClean="0">
+                <a:latin typeface="Montserrat" charset="0"/>
+              </a:rPr>
               <a:t>Nasumično brisanje</a:t>
             </a:r>
           </a:p>
@@ -12740,7 +12775,9 @@
               <a:buAutoNum type="arabicPeriod"/>
             </a:pPr>
             <a:r>
-              <a:rPr lang="sr-Latn-RS" sz="1600" dirty="0" smtClean="0"/>
+              <a:rPr lang="sr-Latn-RS" sz="1600" dirty="0" smtClean="0">
+                <a:latin typeface="Montserrat" charset="0"/>
+              </a:rPr>
               <a:t>Podela reči</a:t>
             </a:r>
           </a:p>
@@ -12753,7 +12790,9 @@
               <a:buAutoNum type="arabicPeriod"/>
             </a:pPr>
             <a:r>
-              <a:rPr lang="sr-Latn-RS" sz="1600" dirty="0" smtClean="0"/>
+              <a:rPr lang="sr-Latn-RS" sz="1600" dirty="0" smtClean="0">
+                <a:latin typeface="Montserrat" charset="0"/>
+              </a:rPr>
               <a:t>Rezervisane reči</a:t>
             </a:r>
           </a:p>
@@ -12766,7 +12805,9 @@
               <a:buAutoNum type="arabicPeriod"/>
             </a:pPr>
             <a:r>
-              <a:rPr lang="sr-Latn-RS" sz="1600" dirty="0" smtClean="0"/>
+              <a:rPr lang="sr-Latn-RS" sz="1600" dirty="0" smtClean="0">
+                <a:latin typeface="Montserrat" charset="0"/>
+              </a:rPr>
               <a:t>TF-IDF augmentacija</a:t>
             </a:r>
           </a:p>
@@ -12972,7 +13013,9 @@
               <a:buChar char="•"/>
             </a:pPr>
             <a:r>
-              <a:rPr lang="sr-Latn-RS" sz="1600" dirty="0" smtClean="0"/>
+              <a:rPr lang="sr-Latn-RS" sz="1600" dirty="0" smtClean="0">
+                <a:latin typeface="Montserrat" charset="0"/>
+              </a:rPr>
               <a:t>Modifikovanje celokupnih fraza ili rečenica za generisanje novih varijacija uz očuvanje semantičkog značenja</a:t>
             </a:r>
           </a:p>
@@ -12982,7 +13025,9 @@
                 <a:spcPts val="600"/>
               </a:spcBef>
             </a:pPr>
-            <a:endParaRPr lang="sr-Latn-RS" sz="1600" dirty="0" smtClean="0"/>
+            <a:endParaRPr lang="sr-Latn-RS" sz="1600" dirty="0" smtClean="0">
+              <a:latin typeface="Montserrat" charset="0"/>
+            </a:endParaRPr>
           </a:p>
           <a:p>
             <a:pPr marL="342900" indent="-342900">
@@ -12993,7 +13038,9 @@
               <a:buAutoNum type="arabicPeriod"/>
             </a:pPr>
             <a:r>
-              <a:rPr lang="sr-Latn-RS" sz="1600" dirty="0" smtClean="0"/>
+              <a:rPr lang="sr-Latn-RS" sz="1600" dirty="0" smtClean="0">
+                <a:latin typeface="Montserrat" charset="0"/>
+              </a:rPr>
               <a:t>Kropljenje i rotacija</a:t>
             </a:r>
           </a:p>
@@ -13006,7 +13053,9 @@
               <a:buAutoNum type="arabicPeriod"/>
             </a:pPr>
             <a:r>
-              <a:rPr lang="sr-Latn-RS" sz="1600" dirty="0" smtClean="0"/>
+              <a:rPr lang="sr-Latn-RS" sz="1600" dirty="0" smtClean="0">
+                <a:latin typeface="Montserrat" charset="0"/>
+              </a:rPr>
               <a:t>Zamena fraza pomoću zavisnih stabala</a:t>
             </a:r>
           </a:p>
@@ -13019,7 +13068,9 @@
               <a:buAutoNum type="arabicPeriod"/>
             </a:pPr>
             <a:r>
-              <a:rPr lang="sr-Latn-RS" sz="1600" dirty="0" smtClean="0"/>
+              <a:rPr lang="sr-Latn-RS" sz="1600" dirty="0" smtClean="0">
+                <a:latin typeface="Montserrat" charset="0"/>
+              </a:rPr>
               <a:t>Nasumična augmentacija rečenica</a:t>
             </a:r>
           </a:p>
@@ -13204,7 +13255,7 @@
         <p:spPr>
           <a:xfrm>
             <a:off x="609600" y="1352550"/>
-            <a:ext cx="7620000" cy="2277547"/>
+            <a:ext cx="7620000" cy="2523768"/>
           </a:xfrm>
           <a:prstGeom prst="rect">
             <a:avLst/>
@@ -13225,7 +13276,9 @@
               <a:buChar char="•"/>
             </a:pPr>
             <a:r>
-              <a:rPr lang="sr-Latn-RS" sz="1600" dirty="0" smtClean="0"/>
+              <a:rPr lang="sr-Latn-RS" sz="1600" dirty="0" smtClean="0">
+                <a:latin typeface="Montserrat" charset="0"/>
+              </a:rPr>
               <a:t>Modifikovanje cele jedinice teksta za generisanje novih sintetičkih dokumenata</a:t>
             </a:r>
           </a:p>
@@ -13236,7 +13289,9 @@
               </a:spcBef>
             </a:pPr>
             <a:r>
-              <a:rPr lang="sr-Latn-RS" sz="1600" dirty="0" smtClean="0"/>
+              <a:rPr lang="sr-Latn-RS" sz="1600" dirty="0" smtClean="0">
+                <a:latin typeface="Montserrat" charset="0"/>
+              </a:rPr>
               <a:t> </a:t>
             </a:r>
           </a:p>
@@ -13249,7 +13304,9 @@
               <a:buAutoNum type="arabicPeriod"/>
             </a:pPr>
             <a:r>
-              <a:rPr lang="sr-Latn-RS" sz="1600" dirty="0" smtClean="0"/>
+              <a:rPr lang="sr-Latn-RS" sz="1600" dirty="0" smtClean="0">
+                <a:latin typeface="Montserrat" charset="0"/>
+              </a:rPr>
               <a:t>Back-Translation </a:t>
             </a:r>
           </a:p>
@@ -13262,7 +13319,9 @@
               <a:buAutoNum type="arabicPeriod"/>
             </a:pPr>
             <a:r>
-              <a:rPr lang="sr-Latn-RS" sz="1600" dirty="0" smtClean="0"/>
+              <a:rPr lang="sr-Latn-RS" sz="1600" dirty="0" smtClean="0">
+                <a:latin typeface="Montserrat" charset="0"/>
+              </a:rPr>
               <a:t>Iterative-Back-Translation</a:t>
             </a:r>
           </a:p>
@@ -13275,7 +13334,9 @@
               <a:buAutoNum type="arabicPeriod"/>
             </a:pPr>
             <a:r>
-              <a:rPr lang="sr-Latn-RS" sz="1600" dirty="0" smtClean="0"/>
+              <a:rPr lang="sr-Latn-RS" sz="1600" dirty="0" smtClean="0">
+                <a:latin typeface="Montserrat" charset="0"/>
+              </a:rPr>
               <a:t>Noised-Back-Translation</a:t>
             </a:r>
           </a:p>
@@ -13288,7 +13349,9 @@
               <a:buAutoNum type="arabicPeriod"/>
             </a:pPr>
             <a:r>
-              <a:rPr lang="sr-Latn-RS" sz="1600" dirty="0" smtClean="0"/>
+              <a:rPr lang="sr-Latn-RS" sz="1600" dirty="0" smtClean="0">
+                <a:latin typeface="Montserrat" charset="0"/>
+              </a:rPr>
               <a:t>Tagged-Back-Translation</a:t>
             </a:r>
           </a:p>
@@ -13301,7 +13364,9 @@
               <a:buAutoNum type="arabicPeriod"/>
             </a:pPr>
             <a:r>
-              <a:rPr lang="sr-Latn-RS" sz="1600" dirty="0" smtClean="0"/>
+              <a:rPr lang="sr-Latn-RS" sz="1600" dirty="0" smtClean="0">
+                <a:latin typeface="Montserrat" charset="0"/>
+              </a:rPr>
               <a:t>Back-Transliteration</a:t>
             </a:r>
           </a:p>
@@ -13749,7 +13814,7 @@
         <p:spPr>
           <a:xfrm>
             <a:off x="609600" y="1352550"/>
-            <a:ext cx="7620000" cy="3508653"/>
+            <a:ext cx="7620000" cy="3262432"/>
           </a:xfrm>
           <a:prstGeom prst="rect">
             <a:avLst/>
@@ -13770,7 +13835,9 @@
               <a:buChar char="•"/>
             </a:pPr>
             <a:r>
-              <a:rPr lang="sr-Latn-RS" sz="1600" dirty="0" smtClean="0"/>
+              <a:rPr lang="sr-Latn-RS" sz="1600" dirty="0" smtClean="0">
+                <a:latin typeface="Montserrat" charset="0"/>
+              </a:rPr>
               <a:t>Augmentacija podataka u prostoru karakteristika podrazumeva promene nad numeričkim reprezentacijama teksta tj. vektorskim prikazima, bez direktne manipulacije originalnim tekstom </a:t>
             </a:r>
           </a:p>
@@ -13783,7 +13850,9 @@
               <a:buAutoNum type="arabicPeriod"/>
             </a:pPr>
             <a:r>
-              <a:rPr lang="sr-Latn-RS" sz="1600" dirty="0" smtClean="0"/>
+              <a:rPr lang="sr-Latn-RS" sz="1600" dirty="0" smtClean="0">
+                <a:latin typeface="Montserrat" charset="0"/>
+              </a:rPr>
               <a:t>Indukcija šuma</a:t>
             </a:r>
           </a:p>
@@ -13796,7 +13865,9 @@
               <a:buChar char="•"/>
             </a:pPr>
             <a:r>
-              <a:rPr lang="sr-Latn-RS" sz="1600" dirty="0" smtClean="0"/>
+              <a:rPr lang="sr-Latn-RS" sz="1600" dirty="0" smtClean="0">
+                <a:latin typeface="Montserrat" charset="0"/>
+              </a:rPr>
               <a:t>Dodavanje malih nasumičnih promena nad vektorskim prikazima teksta </a:t>
             </a:r>
           </a:p>
@@ -13808,7 +13879,9 @@
               <a:buAutoNum type="arabicPeriod" startAt="2"/>
             </a:pPr>
             <a:r>
-              <a:rPr lang="sr-Latn-RS" sz="1600" dirty="0" smtClean="0"/>
+              <a:rPr lang="sr-Latn-RS" sz="1600" dirty="0" smtClean="0">
+                <a:latin typeface="Montserrat" charset="0"/>
+              </a:rPr>
               <a:t>Interpolacione metode</a:t>
             </a:r>
           </a:p>
@@ -13821,7 +13894,9 @@
               <a:buChar char="•"/>
             </a:pPr>
             <a:r>
-              <a:rPr lang="sr-Latn-RS" sz="1600" dirty="0" smtClean="0"/>
+              <a:rPr lang="sr-Latn-RS" sz="1600" dirty="0" smtClean="0">
+                <a:latin typeface="Montserrat" charset="0"/>
+              </a:rPr>
               <a:t>Kreiranje novih podataka kombinovanjem dve ili više rečenica koristeći njihove numeričke reprezentacije </a:t>
             </a:r>
           </a:p>
@@ -13834,16 +13909,10 @@
               <a:buChar char="•"/>
             </a:pPr>
             <a:r>
-              <a:rPr lang="sr-Latn-RS" sz="1600" dirty="0" smtClean="0"/>
-              <a:t>SMOTE interpolacija:</a:t>
-            </a:r>
-            <a:r>
-              <a:rPr lang="sr-Latn-RS" sz="1600" dirty="0"/>
-              <a:t> </a:t>
-            </a:r>
-            <a:r>
-              <a:rPr lang="sr-Latn-RS" sz="1600" dirty="0" smtClean="0"/>
-              <a:t>balansira skup podataka kreiranjem novih instanci kombinovanjem sličnih instanci iz iste klase</a:t>
+              <a:rPr lang="sr-Latn-RS" sz="1600" dirty="0" smtClean="0">
+                <a:latin typeface="Montserrat" charset="0"/>
+              </a:rPr>
+              <a:t>SMOTE interpolacija</a:t>
             </a:r>
           </a:p>
           <a:p>
@@ -13855,8 +13924,10 @@
               <a:buChar char="•"/>
             </a:pPr>
             <a:r>
-              <a:rPr lang="sr-Latn-RS" sz="1600" dirty="0" smtClean="0"/>
-              <a:t>MixUp interpolacija: kombinuje dve različite rečenice i njihove klase kako bi stvorila novu rečenicu koja predstavlja mešavinu ove</a:t>
+              <a:rPr lang="sr-Latn-RS" sz="1600" dirty="0" smtClean="0">
+                <a:latin typeface="Montserrat" charset="0"/>
+              </a:rPr>
+              <a:t>MixUp interpolacija</a:t>
             </a:r>
           </a:p>
         </p:txBody>
@@ -17047,7 +17118,7 @@
         <p:spPr>
           <a:xfrm>
             <a:off x="609600" y="1352550"/>
-            <a:ext cx="7620000" cy="1877437"/>
+            <a:ext cx="7620000" cy="2123658"/>
           </a:xfrm>
           <a:prstGeom prst="rect">
             <a:avLst/>
@@ -17068,7 +17139,9 @@
               <a:buChar char="•"/>
             </a:pPr>
             <a:r>
-              <a:rPr lang="sr-Latn-RS" sz="1600" dirty="0" smtClean="0"/>
+              <a:rPr lang="sr-Latn-RS" sz="1600" dirty="0" smtClean="0">
+                <a:latin typeface="Montserrat" charset="0"/>
+              </a:rPr>
               <a:t>Generisanje novih tekstualnih podataka se vrši korišćenjem naprednih modela i metoda poboljšavajući raznovrstnost i kvalitet skupa podataka</a:t>
             </a:r>
           </a:p>
@@ -17081,7 +17154,9 @@
               <a:buAutoNum type="arabicPeriod"/>
             </a:pPr>
             <a:r>
-              <a:rPr lang="sr-Latn-RS" sz="1600" dirty="0" smtClean="0"/>
+              <a:rPr lang="sr-Latn-RS" sz="1600" dirty="0" smtClean="0">
+                <a:latin typeface="Montserrat" charset="0"/>
+              </a:rPr>
               <a:t>Generativni modeli</a:t>
             </a:r>
           </a:p>
@@ -17094,7 +17169,9 @@
               <a:buAutoNum type="arabicPeriod"/>
             </a:pPr>
             <a:r>
-              <a:rPr lang="sr-Latn-RS" sz="1600" dirty="0" smtClean="0"/>
+              <a:rPr lang="sr-Latn-RS" sz="1600" dirty="0" smtClean="0">
+                <a:latin typeface="Montserrat" charset="0"/>
+              </a:rPr>
               <a:t>Contextual Embeddings </a:t>
             </a:r>
           </a:p>
@@ -17107,7 +17184,9 @@
               <a:buAutoNum type="arabicPeriod"/>
             </a:pPr>
             <a:r>
-              <a:rPr lang="sr-Latn-RS" sz="1600" dirty="0" smtClean="0"/>
+              <a:rPr lang="sr-Latn-RS" sz="1600" dirty="0" smtClean="0">
+                <a:latin typeface="Montserrat" charset="0"/>
+              </a:rPr>
               <a:t>Parafraziranje teksta korišćenjem T5</a:t>
             </a:r>
           </a:p>
@@ -17120,7 +17199,9 @@
               <a:buAutoNum type="arabicPeriod"/>
             </a:pPr>
             <a:r>
-              <a:rPr lang="sr-Latn-RS" sz="1600" dirty="0" smtClean="0"/>
+              <a:rPr lang="sr-Latn-RS" sz="1600" dirty="0" smtClean="0">
+                <a:latin typeface="Montserrat" charset="0"/>
+              </a:rPr>
               <a:t>CLARE augmenter</a:t>
             </a:r>
           </a:p>
@@ -17305,7 +17386,7 @@
         <p:spPr>
           <a:xfrm>
             <a:off x="609600" y="1352550"/>
-            <a:ext cx="7620000" cy="2693045"/>
+            <a:ext cx="7620000" cy="2369880"/>
           </a:xfrm>
           <a:prstGeom prst="rect">
             <a:avLst/>
@@ -17326,7 +17407,9 @@
               <a:buChar char="•"/>
             </a:pPr>
             <a:r>
-              <a:rPr lang="sr-Latn-RS" sz="1600" dirty="0" smtClean="0"/>
+              <a:rPr lang="sr-Latn-RS" sz="1600" dirty="0" smtClean="0">
+                <a:latin typeface="Montserrat" charset="0"/>
+              </a:rPr>
               <a:t>Korišćenje dubokih generativnih modela za kreiranje sintetičkih tekstualnih podataka koji zadržavaju semantičko značenje originala</a:t>
             </a:r>
           </a:p>
@@ -17339,7 +17422,9 @@
               <a:buAutoNum type="arabicPeriod"/>
             </a:pPr>
             <a:r>
-              <a:rPr lang="sr-Latn-RS" sz="1600" dirty="0" smtClean="0"/>
+              <a:rPr lang="sr-Latn-RS" sz="1600" dirty="0" smtClean="0">
+                <a:latin typeface="Montserrat" charset="0"/>
+              </a:rPr>
               <a:t>GPT based modeli</a:t>
             </a:r>
           </a:p>
@@ -17352,8 +17437,24 @@
               <a:buChar char="•"/>
             </a:pPr>
             <a:r>
-              <a:rPr lang="sr-Latn-RS" sz="1600" dirty="0" smtClean="0"/>
+              <a:rPr lang="sr-Latn-RS" sz="1600" dirty="0" smtClean="0">
+                <a:latin typeface="Montserrat" charset="0"/>
+              </a:rPr>
               <a:t>Koriste autoregresivnu arhitekturu za generisanje koherentnog i kontekstualno relevantnog teksta</a:t>
+            </a:r>
+          </a:p>
+          <a:p>
+            <a:pPr marL="342900" indent="-342900">
+              <a:spcBef>
+                <a:spcPts val="600"/>
+              </a:spcBef>
+              <a:buAutoNum type="arabicPeriod" startAt="2"/>
+            </a:pPr>
+            <a:r>
+              <a:rPr lang="sr-Latn-RS" sz="1600" dirty="0" smtClean="0">
+                <a:latin typeface="Montserrat" charset="0"/>
+              </a:rPr>
+              <a:t>GAN (Generative Adversial Networks)</a:t>
             </a:r>
           </a:p>
           <a:p>
@@ -17365,32 +17466,9 @@
               <a:buChar char="•"/>
             </a:pPr>
             <a:r>
-              <a:rPr lang="sr-Latn-RS" sz="1600" dirty="0" smtClean="0"/>
-              <a:t>GPT-2 i GPT-3</a:t>
-            </a:r>
-          </a:p>
-          <a:p>
-            <a:pPr marL="342900" indent="-342900">
-              <a:spcBef>
-                <a:spcPts val="600"/>
-              </a:spcBef>
-              <a:buAutoNum type="arabicPeriod" startAt="2"/>
-            </a:pPr>
-            <a:r>
-              <a:rPr lang="sr-Latn-RS" sz="1600" dirty="0" smtClean="0"/>
-              <a:t>GAN (Generative Adversial Networks)</a:t>
-            </a:r>
-          </a:p>
-          <a:p>
-            <a:pPr marL="342900" indent="-342900">
-              <a:spcBef>
-                <a:spcPts val="600"/>
-              </a:spcBef>
-              <a:buFont typeface="Arial" panose="020B0604020202020204" pitchFamily="34" charset="0"/>
-              <a:buChar char="•"/>
-            </a:pPr>
-            <a:r>
-              <a:rPr lang="sr-Latn-RS" sz="1600" dirty="0" smtClean="0"/>
+              <a:rPr lang="sr-Latn-RS" sz="1600" dirty="0" smtClean="0">
+                <a:latin typeface="Montserrat" charset="0"/>
+              </a:rPr>
               <a:t>Sastoji se od generatora i diskriminatora koji se konkurentno treniraju kako bi stvorili realistične sintetičke podatke  </a:t>
             </a:r>
           </a:p>
@@ -17575,7 +17653,7 @@
         <p:spPr>
           <a:xfrm>
             <a:off x="609600" y="1352550"/>
-            <a:ext cx="7620000" cy="3016210"/>
+            <a:ext cx="7620000" cy="3508653"/>
           </a:xfrm>
           <a:prstGeom prst="rect">
             <a:avLst/>
@@ -17596,7 +17674,9 @@
               <a:buChar char="•"/>
             </a:pPr>
             <a:r>
-              <a:rPr lang="sr-Latn-RS" sz="1600" dirty="0" smtClean="0"/>
+              <a:rPr lang="sr-Latn-RS" sz="1600" dirty="0" smtClean="0">
+                <a:latin typeface="Montserrat" charset="0"/>
+              </a:rPr>
               <a:t>Korišćenje kontekstualizovanih rečninčkih prikaza za naprednu augmentaciju teksta omogućavajući preciznije i kontekstno prilagođene izmene</a:t>
             </a:r>
           </a:p>
@@ -17609,7 +17689,9 @@
               <a:buAutoNum type="arabicPeriod"/>
             </a:pPr>
             <a:r>
-              <a:rPr lang="sr-Latn-RS" sz="1600" dirty="0" smtClean="0"/>
+              <a:rPr lang="sr-Latn-RS" sz="1600" dirty="0" smtClean="0">
+                <a:latin typeface="Montserrat" charset="0"/>
+              </a:rPr>
               <a:t>BERT-based augmentacija</a:t>
             </a:r>
           </a:p>
@@ -17622,15 +17704,21 @@
               <a:buChar char="•"/>
             </a:pPr>
             <a:r>
-              <a:rPr lang="sr-Latn-RS" sz="1600" dirty="0" smtClean="0"/>
+              <a:rPr lang="sr-Latn-RS" sz="1600" dirty="0" smtClean="0">
+                <a:latin typeface="Montserrat" charset="0"/>
+              </a:rPr>
               <a:t>Korišćenje BERT modela</a:t>
             </a:r>
             <a:r>
-              <a:rPr lang="sr-Latn-RS" sz="1600" dirty="0"/>
+              <a:rPr lang="sr-Latn-RS" sz="1600" dirty="0">
+                <a:latin typeface="Montserrat" charset="0"/>
+              </a:rPr>
               <a:t> </a:t>
             </a:r>
             <a:r>
-              <a:rPr lang="sr-Latn-RS" sz="1600" dirty="0" smtClean="0"/>
+              <a:rPr lang="sr-Latn-RS" sz="1600" dirty="0" smtClean="0">
+                <a:latin typeface="Montserrat" charset="0"/>
+              </a:rPr>
               <a:t>za generisanje kontekstualnih rečničkih prikaza koji omogućavaju preciznije zamene i umetanja reči</a:t>
             </a:r>
           </a:p>
@@ -17643,7 +17731,9 @@
               <a:buChar char="•"/>
             </a:pPr>
             <a:r>
-              <a:rPr lang="sr-Latn-RS" sz="1600" dirty="0" smtClean="0"/>
+              <a:rPr lang="sr-Latn-RS" sz="1600" dirty="0" smtClean="0">
+                <a:latin typeface="Montserrat" charset="0"/>
+              </a:rPr>
               <a:t>Koristi bidirekcionalni pristup</a:t>
             </a:r>
           </a:p>
@@ -17655,7 +17745,9 @@
               <a:buAutoNum type="arabicPeriod" startAt="2"/>
             </a:pPr>
             <a:r>
-              <a:rPr lang="sr-Latn-RS" sz="1600" dirty="0" smtClean="0"/>
+              <a:rPr lang="sr-Latn-RS" sz="1600" dirty="0" smtClean="0">
+                <a:latin typeface="Montserrat" charset="0"/>
+              </a:rPr>
               <a:t>RoBERTa, XLNet i drugi modeli</a:t>
             </a:r>
           </a:p>
@@ -17668,10 +17760,11 @@
               <a:buChar char="•"/>
             </a:pPr>
             <a:r>
-              <a:rPr lang="sr-Latn-RS" sz="1600" dirty="0" smtClean="0"/>
-              <a:t>RoBERTa predstavlja unapređenje BERT modela optimizovanjem procesa treniranja uklanjanjem NSP zadataka</a:t>
-            </a:r>
-            <a:endParaRPr lang="sr-Latn-RS" sz="1600" dirty="0"/>
+              <a:rPr lang="sr-Latn-RS" sz="1600" dirty="0" smtClean="0">
+                <a:latin typeface="Montserrat" charset="0"/>
+              </a:rPr>
+              <a:t>RoBERTa predstavlja unapređenje BERT modela optimizovanjem procesa treniranja </a:t>
+            </a:r>
           </a:p>
           <a:p>
             <a:pPr marL="342900" indent="-342900">
@@ -17682,7 +17775,9 @@
               <a:buChar char="•"/>
             </a:pPr>
             <a:r>
-              <a:rPr lang="sr-Latn-RS" sz="1600" dirty="0" smtClean="0"/>
+              <a:rPr lang="sr-Latn-RS" sz="1600" dirty="0" smtClean="0">
+                <a:latin typeface="Montserrat" charset="0"/>
+              </a:rPr>
               <a:t>XLNet koristi permutacijsko treniranje za bolje hvatanje dugoročnih zavisti</a:t>
             </a:r>
           </a:p>
@@ -17867,7 +17962,7 @@
         <p:spPr>
           <a:xfrm>
             <a:off x="609600" y="1352550"/>
-            <a:ext cx="7620000" cy="3416320"/>
+            <a:ext cx="7620000" cy="3170099"/>
           </a:xfrm>
           <a:prstGeom prst="rect">
             <a:avLst/>
@@ -17887,7 +17982,9 @@
               <a:buAutoNum type="arabicPeriod" startAt="3"/>
             </a:pPr>
             <a:r>
-              <a:rPr lang="sr-Latn-RS" sz="1600" dirty="0" smtClean="0"/>
+              <a:rPr lang="sr-Latn-RS" sz="1600" dirty="0" smtClean="0">
+                <a:latin typeface="Montserrat" charset="0"/>
+              </a:rPr>
               <a:t>Parafraziranje teksta korišćenjem T5 </a:t>
             </a:r>
           </a:p>
@@ -17900,8 +17997,10 @@
               <a:buChar char="•"/>
             </a:pPr>
             <a:r>
-              <a:rPr lang="sr-Latn-RS" sz="1600" dirty="0" smtClean="0"/>
-              <a:t>Text-to-Text transfer transformer je treniran na C4 dataset-u za različite NLP zadatke</a:t>
+              <a:rPr lang="sr-Latn-RS" sz="1600" dirty="0" smtClean="0">
+                <a:latin typeface="Montserrat" charset="0"/>
+              </a:rPr>
+              <a:t>Text-to-Text transfer transformer je treniran za različite NLP zadatke</a:t>
             </a:r>
           </a:p>
           <a:p>
@@ -17912,7 +18011,9 @@
               <a:buAutoNum type="arabicPeriod" startAt="4"/>
             </a:pPr>
             <a:r>
-              <a:rPr lang="sr-Latn-RS" sz="1600" dirty="0" smtClean="0"/>
+              <a:rPr lang="sr-Latn-RS" sz="1600" dirty="0" smtClean="0">
+                <a:latin typeface="Montserrat" charset="0"/>
+              </a:rPr>
               <a:t>CLARE augmenter </a:t>
             </a:r>
           </a:p>
@@ -17925,7 +18026,9 @@
               <a:buChar char="•"/>
             </a:pPr>
             <a:r>
-              <a:rPr lang="sr-Latn-RS" sz="1600" dirty="0" smtClean="0"/>
+              <a:rPr lang="sr-Latn-RS" sz="1600" dirty="0" smtClean="0">
+                <a:latin typeface="Montserrat" charset="0"/>
+              </a:rPr>
               <a:t>Koristi maskirane jezičke modele za generisanje prirodnih, tečnih i gramitički ispravnih tekstova</a:t>
             </a:r>
           </a:p>
@@ -17938,7 +18041,9 @@
               <a:buChar char="•"/>
             </a:pPr>
             <a:r>
-              <a:rPr lang="sr-Latn-RS" sz="1600" dirty="0" smtClean="0"/>
+              <a:rPr lang="sr-Latn-RS" sz="1600" dirty="0" smtClean="0">
+                <a:latin typeface="Montserrat" charset="0"/>
+              </a:rPr>
               <a:t>Mask-then-Infill princip: </a:t>
             </a:r>
           </a:p>
@@ -17951,7 +18056,9 @@
               <a:buChar char="•"/>
             </a:pPr>
             <a:r>
-              <a:rPr lang="sr-Latn-RS" sz="1600" dirty="0" smtClean="0"/>
+              <a:rPr lang="sr-Latn-RS" sz="1600" dirty="0" smtClean="0">
+                <a:latin typeface="Montserrat" charset="0"/>
+              </a:rPr>
               <a:t>1. Identifikacija ranjivih mesta</a:t>
             </a:r>
           </a:p>
@@ -17964,7 +18071,9 @@
               <a:buChar char="•"/>
             </a:pPr>
             <a:r>
-              <a:rPr lang="sr-Latn-RS" sz="1600" dirty="0" smtClean="0"/>
+              <a:rPr lang="sr-Latn-RS" sz="1600" dirty="0" smtClean="0">
+                <a:latin typeface="Montserrat" charset="0"/>
+              </a:rPr>
               <a:t>2. Primena modifikacija</a:t>
             </a:r>
           </a:p>
@@ -17977,7 +18086,9 @@
               <a:buChar char="•"/>
             </a:pPr>
             <a:r>
-              <a:rPr lang="sr-Latn-RS" sz="1600" dirty="0" smtClean="0"/>
+              <a:rPr lang="sr-Latn-RS" sz="1600" dirty="0" smtClean="0">
+                <a:latin typeface="Montserrat" charset="0"/>
+              </a:rPr>
               <a:t>3. Odabir najboljih kandidata</a:t>
             </a:r>
           </a:p>
@@ -17990,10 +18101,14 @@
               <a:buChar char="•"/>
             </a:pPr>
             <a:r>
-              <a:rPr lang="sr-Latn-RS" sz="1600" dirty="0" smtClean="0"/>
+              <a:rPr lang="sr-Latn-RS" sz="1600" dirty="0" smtClean="0">
+                <a:latin typeface="Montserrat" charset="0"/>
+              </a:rPr>
               <a:t>4. Generisanje adversijalnih primera</a:t>
             </a:r>
-            <a:endParaRPr lang="sr-Latn-RS" sz="1600" dirty="0"/>
+            <a:endParaRPr lang="sr-Latn-RS" sz="1600" dirty="0">
+              <a:latin typeface="Montserrat" charset="0"/>
+            </a:endParaRPr>
           </a:p>
         </p:txBody>
       </p:sp>
@@ -18457,126 +18572,146 @@
               <a:buChar char="•"/>
             </a:pPr>
             <a:r>
-              <a:rPr lang="en-US" sz="1600" dirty="0" err="1"/>
+              <a:rPr lang="en-US" sz="1600" dirty="0" err="1">
+                <a:latin typeface="Montserrat" charset="0"/>
+              </a:rPr>
               <a:t>Fokus</a:t>
             </a:r>
             <a:r>
-              <a:rPr lang="en-US" sz="1600" dirty="0"/>
+              <a:rPr lang="en-US" sz="1600" dirty="0">
+                <a:latin typeface="Montserrat" charset="0"/>
+              </a:rPr>
               <a:t> </a:t>
             </a:r>
             <a:r>
-              <a:rPr lang="en-US" sz="1600" dirty="0" err="1"/>
+              <a:rPr lang="en-US" sz="1600" dirty="0" err="1">
+                <a:latin typeface="Montserrat" charset="0"/>
+              </a:rPr>
               <a:t>na</a:t>
             </a:r>
             <a:r>
-              <a:rPr lang="en-US" sz="1600" dirty="0"/>
+              <a:rPr lang="en-US" sz="1600" dirty="0">
+                <a:latin typeface="Montserrat" charset="0"/>
+              </a:rPr>
               <a:t> </a:t>
             </a:r>
             <a:r>
-              <a:rPr lang="en-US" sz="1600" dirty="0" err="1"/>
+              <a:rPr lang="en-US" sz="1600" dirty="0" err="1">
+                <a:latin typeface="Montserrat" charset="0"/>
+              </a:rPr>
               <a:t>analizu</a:t>
             </a:r>
             <a:r>
-              <a:rPr lang="en-US" sz="1600" dirty="0"/>
+              <a:rPr lang="en-US" sz="1600" dirty="0">
+                <a:latin typeface="Montserrat" charset="0"/>
+              </a:rPr>
+              <a:t> i </a:t>
+            </a:r>
+            <a:r>
+              <a:rPr lang="en-US" sz="1600" dirty="0" err="1">
+                <a:latin typeface="Montserrat" charset="0"/>
+              </a:rPr>
+              <a:t>detekciju</a:t>
+            </a:r>
+            <a:r>
+              <a:rPr lang="en-US" sz="1600" dirty="0">
+                <a:latin typeface="Montserrat" charset="0"/>
+              </a:rPr>
               <a:t> </a:t>
             </a:r>
             <a:r>
-              <a:rPr lang="en-US" sz="1600" dirty="0" err="1"/>
-              <a:t>i</a:t>
-            </a:r>
-            <a:r>
-              <a:rPr lang="en-US" sz="1600" dirty="0"/>
+              <a:rPr lang="en-US" sz="1600" dirty="0" err="1">
+                <a:latin typeface="Montserrat" charset="0"/>
+              </a:rPr>
+              <a:t>govora</a:t>
+            </a:r>
+            <a:r>
+              <a:rPr lang="en-US" sz="1600" dirty="0">
+                <a:latin typeface="Montserrat" charset="0"/>
+              </a:rPr>
               <a:t> </a:t>
             </a:r>
             <a:r>
-              <a:rPr lang="en-US" sz="1600" dirty="0" err="1"/>
-              <a:t>detekciju</a:t>
-            </a:r>
-            <a:r>
-              <a:rPr lang="en-US" sz="1600" dirty="0"/>
+              <a:rPr lang="en-US" sz="1600" dirty="0" err="1">
+                <a:latin typeface="Montserrat" charset="0"/>
+              </a:rPr>
+              <a:t>mržnje</a:t>
+            </a:r>
+            <a:r>
+              <a:rPr lang="en-US" sz="1600" dirty="0">
+                <a:latin typeface="Montserrat" charset="0"/>
+              </a:rPr>
               <a:t> </a:t>
             </a:r>
             <a:r>
-              <a:rPr lang="en-US" sz="1600" dirty="0" err="1"/>
-              <a:t>govora</a:t>
-            </a:r>
-            <a:r>
-              <a:rPr lang="en-US" sz="1600" dirty="0"/>
+              <a:rPr lang="en-US" sz="1600" dirty="0" err="1" smtClean="0">
+                <a:latin typeface="Montserrat" charset="0"/>
+              </a:rPr>
+              <a:t>na</a:t>
+            </a:r>
+            <a:r>
+              <a:rPr lang="en-US" sz="1600" dirty="0" smtClean="0">
+                <a:latin typeface="Montserrat" charset="0"/>
+              </a:rPr>
               <a:t> </a:t>
             </a:r>
             <a:r>
-              <a:rPr lang="en-US" sz="1600" dirty="0" err="1"/>
-              <a:t>mržnje</a:t>
-            </a:r>
-            <a:r>
-              <a:rPr lang="en-US" sz="1600" dirty="0"/>
+              <a:rPr lang="en-US" sz="1600" dirty="0">
+                <a:latin typeface="Montserrat" charset="0"/>
+              </a:rPr>
+              <a:t>Twitter-u </a:t>
+            </a:r>
+            <a:r>
+              <a:rPr lang="en-US" sz="1600" dirty="0" err="1">
+                <a:latin typeface="Montserrat" charset="0"/>
+              </a:rPr>
+              <a:t>korišćenjem</a:t>
+            </a:r>
+            <a:r>
+              <a:rPr lang="en-US" sz="1600" dirty="0">
+                <a:latin typeface="Montserrat" charset="0"/>
+              </a:rPr>
               <a:t> </a:t>
             </a:r>
             <a:r>
-              <a:rPr lang="en-US" sz="1600" dirty="0" err="1"/>
-              <a:t>i</a:t>
-            </a:r>
-            <a:r>
-              <a:rPr lang="en-US" sz="1600" dirty="0"/>
+              <a:rPr lang="en-US" sz="1600" dirty="0" err="1">
+                <a:latin typeface="Montserrat" charset="0"/>
+              </a:rPr>
+              <a:t>skupa</a:t>
+            </a:r>
+            <a:r>
+              <a:rPr lang="en-US" sz="1600" dirty="0">
+                <a:latin typeface="Montserrat" charset="0"/>
+              </a:rPr>
               <a:t> </a:t>
             </a:r>
             <a:r>
-              <a:rPr lang="en-US" sz="1600" dirty="0" err="1"/>
-              <a:t>uvredljivog</a:t>
-            </a:r>
-            <a:r>
-              <a:rPr lang="en-US" sz="1600" dirty="0"/>
+              <a:rPr lang="en-US" sz="1600" dirty="0" err="1">
+                <a:latin typeface="Montserrat" charset="0"/>
+              </a:rPr>
+              <a:t>podataka</a:t>
+            </a:r>
+            <a:r>
+              <a:rPr lang="en-US" sz="1600" dirty="0">
+                <a:latin typeface="Montserrat" charset="0"/>
+              </a:rPr>
               <a:t> </a:t>
             </a:r>
             <a:r>
-              <a:rPr lang="en-US" sz="1600" dirty="0" err="1"/>
-              <a:t>jezika</a:t>
-            </a:r>
-            <a:r>
-              <a:rPr lang="en-US" sz="1600" dirty="0"/>
-              <a:t> </a:t>
-            </a:r>
-            <a:r>
-              <a:rPr lang="en-US" sz="1600" dirty="0" err="1"/>
-              <a:t>na</a:t>
-            </a:r>
-            <a:r>
-              <a:rPr lang="en-US" sz="1600" dirty="0"/>
-              <a:t> Twitter-u </a:t>
-            </a:r>
-            <a:r>
-              <a:rPr lang="en-US" sz="1600" dirty="0" err="1"/>
-              <a:t>korišćenjem</a:t>
-            </a:r>
-            <a:r>
-              <a:rPr lang="en-US" sz="1600" dirty="0"/>
-              <a:t> </a:t>
-            </a:r>
-            <a:r>
-              <a:rPr lang="en-US" sz="1600" dirty="0" err="1"/>
-              <a:t>skupa</a:t>
-            </a:r>
-            <a:r>
-              <a:rPr lang="en-US" sz="1600" dirty="0"/>
-              <a:t> </a:t>
-            </a:r>
-            <a:r>
-              <a:rPr lang="en-US" sz="1600" dirty="0" err="1"/>
-              <a:t>podataka</a:t>
-            </a:r>
-            <a:r>
-              <a:rPr lang="en-US" sz="1600" dirty="0"/>
-              <a:t> </a:t>
-            </a:r>
-            <a:r>
-              <a:rPr lang="en-US" sz="1600" dirty="0" err="1"/>
+              <a:rPr lang="en-US" sz="1600" dirty="0" err="1">
+                <a:latin typeface="Montserrat" charset="0"/>
+              </a:rPr>
               <a:t>hate_speech_offensive</a:t>
             </a:r>
             <a:r>
-              <a:rPr lang="en-US" sz="1600" dirty="0" smtClean="0"/>
+              <a:rPr lang="en-US" sz="1600" dirty="0" smtClean="0">
+                <a:latin typeface="Montserrat" charset="0"/>
+              </a:rPr>
               <a:t>.</a:t>
             </a:r>
-            <a:endParaRPr lang="en-US" sz="1600" dirty="0"/>
+            <a:endParaRPr lang="en-US" sz="1600" dirty="0">
+              <a:latin typeface="Montserrat" charset="0"/>
+            </a:endParaRPr>
           </a:p>
         </p:txBody>
       </p:sp>
@@ -18799,7 +18934,9 @@
               <a:buChar char="•"/>
             </a:pPr>
             <a:r>
-              <a:rPr lang="sr-Latn-RS" sz="1600" dirty="0" smtClean="0"/>
+              <a:rPr lang="sr-Latn-RS" sz="1600" dirty="0" smtClean="0">
+                <a:latin typeface="Montserrat" charset="0"/>
+              </a:rPr>
               <a:t>Uklanjanje URL-ova i email adresa</a:t>
             </a:r>
           </a:p>
@@ -18809,8 +18946,10 @@
               <a:buChar char="•"/>
             </a:pPr>
             <a:r>
-              <a:rPr lang="sr-Latn-RS" sz="1600" dirty="0" smtClean="0"/>
-              <a:t>Uklanjanje html tagova</a:t>
+              <a:rPr lang="sr-Latn-RS" sz="1600" dirty="0" smtClean="0">
+                <a:latin typeface="Montserrat" charset="0"/>
+              </a:rPr>
+              <a:t>Uklanjanje HTML tagova</a:t>
             </a:r>
           </a:p>
           <a:p>
@@ -18819,7 +18958,9 @@
               <a:buChar char="•"/>
             </a:pPr>
             <a:r>
-              <a:rPr lang="sr-Latn-RS" sz="1600" dirty="0" smtClean="0"/>
+              <a:rPr lang="sr-Latn-RS" sz="1600" dirty="0" smtClean="0">
+                <a:latin typeface="Montserrat" charset="0"/>
+              </a:rPr>
               <a:t>Uklanjanje emotikona</a:t>
             </a:r>
           </a:p>
@@ -18829,7 +18970,9 @@
               <a:buChar char="•"/>
             </a:pPr>
             <a:r>
-              <a:rPr lang="sr-Latn-RS" sz="1600" dirty="0" smtClean="0"/>
+              <a:rPr lang="sr-Latn-RS" sz="1600" dirty="0" smtClean="0">
+                <a:latin typeface="Montserrat" charset="0"/>
+              </a:rPr>
               <a:t>Uklanjanje znakova interpunkcije</a:t>
             </a:r>
           </a:p>
@@ -18839,7 +18982,9 @@
               <a:buChar char="•"/>
             </a:pPr>
             <a:r>
-              <a:rPr lang="sr-Latn-RS" sz="1600" dirty="0" smtClean="0"/>
+              <a:rPr lang="sr-Latn-RS" sz="1600" dirty="0" smtClean="0">
+                <a:latin typeface="Montserrat" charset="0"/>
+              </a:rPr>
               <a:t>Uklanjanje dijakritika</a:t>
             </a:r>
           </a:p>
@@ -18849,7 +18994,9 @@
               <a:buChar char="•"/>
             </a:pPr>
             <a:r>
-              <a:rPr lang="sr-Latn-RS" sz="1600" dirty="0" smtClean="0"/>
+              <a:rPr lang="sr-Latn-RS" sz="1600" dirty="0" smtClean="0">
+                <a:latin typeface="Montserrat" charset="0"/>
+              </a:rPr>
               <a:t>Uklanjanje višestrukih razmaka</a:t>
             </a:r>
           </a:p>
@@ -18859,7 +19006,9 @@
               <a:buChar char="•"/>
             </a:pPr>
             <a:r>
-              <a:rPr lang="sr-Latn-RS" sz="1600" dirty="0" smtClean="0"/>
+              <a:rPr lang="sr-Latn-RS" sz="1600" dirty="0" smtClean="0">
+                <a:latin typeface="Montserrat" charset="0"/>
+              </a:rPr>
               <a:t>Tokenizacija</a:t>
             </a:r>
           </a:p>
@@ -18869,7 +19018,9 @@
               <a:buChar char="•"/>
             </a:pPr>
             <a:r>
-              <a:rPr lang="sr-Latn-RS" sz="1600" dirty="0" smtClean="0"/>
+              <a:rPr lang="sr-Latn-RS" sz="1600" dirty="0" smtClean="0">
+                <a:latin typeface="Montserrat" charset="0"/>
+              </a:rPr>
               <a:t>Uklanjanje stop reči</a:t>
             </a:r>
           </a:p>
@@ -18879,7 +19030,9 @@
               <a:buChar char="•"/>
             </a:pPr>
             <a:r>
-              <a:rPr lang="sr-Latn-RS" sz="1600" dirty="0" smtClean="0"/>
+              <a:rPr lang="sr-Latn-RS" sz="1600" dirty="0" smtClean="0">
+                <a:latin typeface="Montserrat" charset="0"/>
+              </a:rPr>
               <a:t>Lematizacija</a:t>
             </a:r>
           </a:p>
@@ -19082,7 +19235,9 @@
               <a:buChar char="•"/>
             </a:pPr>
             <a:r>
-              <a:rPr lang="sr-Latn-RS" sz="1600" dirty="0" smtClean="0"/>
+              <a:rPr lang="sr-Latn-RS" sz="1600" dirty="0" smtClean="0">
+                <a:latin typeface="Montserrat" charset="0"/>
+              </a:rPr>
               <a:t>Logistička regresija: tačnost 90%</a:t>
             </a:r>
           </a:p>
@@ -19092,7 +19247,9 @@
               <a:buChar char="•"/>
             </a:pPr>
             <a:r>
-              <a:rPr lang="sr-Latn-RS" sz="1600" dirty="0" smtClean="0"/>
+              <a:rPr lang="sr-Latn-RS" sz="1600" dirty="0" smtClean="0">
+                <a:latin typeface="Montserrat" charset="0"/>
+              </a:rPr>
               <a:t>SVM: tačnost 90%</a:t>
             </a:r>
           </a:p>
@@ -19102,7 +19259,9 @@
               <a:buChar char="•"/>
             </a:pPr>
             <a:r>
-              <a:rPr lang="sr-Latn-RS" sz="1600" dirty="0" smtClean="0"/>
+              <a:rPr lang="sr-Latn-RS" sz="1600" dirty="0" smtClean="0">
+                <a:latin typeface="Montserrat" charset="0"/>
+              </a:rPr>
               <a:t>Naive Bayes: tačnost 84%</a:t>
             </a:r>
           </a:p>
@@ -19112,7 +19271,9 @@
               <a:buChar char="•"/>
             </a:pPr>
             <a:r>
-              <a:rPr lang="sr-Latn-RS" sz="1600" dirty="0" smtClean="0"/>
+              <a:rPr lang="sr-Latn-RS" sz="1600" dirty="0" smtClean="0">
+                <a:latin typeface="Montserrat" charset="0"/>
+              </a:rPr>
               <a:t>LSTM: tačnost 89%</a:t>
             </a:r>
           </a:p>
@@ -19122,7 +19283,9 @@
               <a:buChar char="•"/>
             </a:pPr>
             <a:r>
-              <a:rPr lang="sr-Latn-RS" sz="1600" dirty="0" smtClean="0"/>
+              <a:rPr lang="sr-Latn-RS" sz="1600" dirty="0" smtClean="0">
+                <a:latin typeface="Montserrat" charset="0"/>
+              </a:rPr>
               <a:t>CNN: tačnost 87%</a:t>
             </a:r>
           </a:p>
@@ -19325,7 +19488,9 @@
               <a:buChar char="•"/>
             </a:pPr>
             <a:r>
-              <a:rPr lang="sr-Latn-RS" sz="1600" dirty="0" smtClean="0"/>
+              <a:rPr lang="sr-Latn-RS" sz="1600" dirty="0" smtClean="0">
+                <a:latin typeface="Montserrat" charset="0"/>
+              </a:rPr>
               <a:t>Korišćene su tradicionalne metode augmentacije teksta, i to: </a:t>
             </a:r>
           </a:p>
@@ -19335,7 +19500,9 @@
               <a:buAutoNum type="arabicPeriod"/>
             </a:pPr>
             <a:r>
-              <a:rPr lang="sr-Latn-RS" sz="1600" dirty="0" smtClean="0"/>
+              <a:rPr lang="sr-Latn-RS" sz="1600" dirty="0" smtClean="0">
+                <a:latin typeface="Montserrat" charset="0"/>
+              </a:rPr>
               <a:t>Simulacija pravopisnih grešaka</a:t>
             </a:r>
           </a:p>
@@ -19345,7 +19512,9 @@
               <a:buAutoNum type="arabicPeriod"/>
             </a:pPr>
             <a:r>
-              <a:rPr lang="sr-Latn-RS" sz="1600" dirty="0" smtClean="0"/>
+              <a:rPr lang="sr-Latn-RS" sz="1600" dirty="0" smtClean="0">
+                <a:latin typeface="Montserrat" charset="0"/>
+              </a:rPr>
               <a:t>Zamena sinonima</a:t>
             </a:r>
           </a:p>
@@ -19355,7 +19524,9 @@
               <a:buAutoNum type="arabicPeriod"/>
             </a:pPr>
             <a:r>
-              <a:rPr lang="sr-Latn-RS" sz="1600" dirty="0" smtClean="0"/>
+              <a:rPr lang="sr-Latn-RS" sz="1600" dirty="0" smtClean="0">
+                <a:latin typeface="Montserrat" charset="0"/>
+              </a:rPr>
               <a:t>Nasumična augmentacija rečenica</a:t>
             </a:r>
           </a:p>
@@ -19365,7 +19536,9 @@
               <a:buAutoNum type="arabicPeriod"/>
             </a:pPr>
             <a:r>
-              <a:rPr lang="sr-Latn-RS" sz="1600" dirty="0" smtClean="0"/>
+              <a:rPr lang="sr-Latn-RS" sz="1600" dirty="0" smtClean="0">
+                <a:latin typeface="Montserrat" charset="0"/>
+              </a:rPr>
               <a:t>Splitovanje reči</a:t>
             </a:r>
           </a:p>
@@ -19374,7 +19547,9 @@
               <a:buFont typeface="+mj-lt"/>
               <a:buAutoNum type="arabicPeriod"/>
             </a:pPr>
-            <a:endParaRPr lang="sr-Latn-RS" sz="1600" dirty="0" smtClean="0"/>
+            <a:endParaRPr lang="sr-Latn-RS" sz="1600" dirty="0" smtClean="0">
+              <a:latin typeface="Montserrat" charset="0"/>
+            </a:endParaRPr>
           </a:p>
           <a:p>
             <a:pPr marL="285750" indent="-285750">
@@ -19382,7 +19557,9 @@
               <a:buChar char="•"/>
             </a:pPr>
             <a:r>
-              <a:rPr lang="sr-Latn-RS" sz="1600" dirty="0" smtClean="0"/>
+              <a:rPr lang="sr-Latn-RS" sz="1600" dirty="0" smtClean="0">
+                <a:latin typeface="Montserrat" charset="0"/>
+              </a:rPr>
               <a:t>Logistička regresija: tačnost 91%</a:t>
             </a:r>
           </a:p>
@@ -19392,7 +19569,9 @@
               <a:buChar char="•"/>
             </a:pPr>
             <a:r>
-              <a:rPr lang="sr-Latn-RS" sz="1600" dirty="0" smtClean="0"/>
+              <a:rPr lang="sr-Latn-RS" sz="1600" dirty="0" smtClean="0">
+                <a:latin typeface="Montserrat" charset="0"/>
+              </a:rPr>
               <a:t>SVM: tačnost 93%</a:t>
             </a:r>
           </a:p>
@@ -19402,7 +19581,9 @@
               <a:buChar char="•"/>
             </a:pPr>
             <a:r>
-              <a:rPr lang="sr-Latn-RS" sz="1600" dirty="0" smtClean="0"/>
+              <a:rPr lang="sr-Latn-RS" sz="1600" dirty="0" smtClean="0">
+                <a:latin typeface="Montserrat" charset="0"/>
+              </a:rPr>
               <a:t>Naive Bayes: tačnost 86%</a:t>
             </a:r>
           </a:p>
@@ -19412,7 +19593,9 @@
               <a:buChar char="•"/>
             </a:pPr>
             <a:r>
-              <a:rPr lang="sr-Latn-RS" sz="1600" dirty="0" smtClean="0"/>
+              <a:rPr lang="sr-Latn-RS" sz="1600" dirty="0" smtClean="0">
+                <a:latin typeface="Montserrat" charset="0"/>
+              </a:rPr>
               <a:t>LSTM: tačnost 93%</a:t>
             </a:r>
           </a:p>
@@ -19422,7 +19605,9 @@
               <a:buChar char="•"/>
             </a:pPr>
             <a:r>
-              <a:rPr lang="sr-Latn-RS" sz="1600" dirty="0" smtClean="0"/>
+              <a:rPr lang="sr-Latn-RS" sz="1600" dirty="0" smtClean="0">
+                <a:latin typeface="Montserrat" charset="0"/>
+              </a:rPr>
               <a:t>CNN: tačnost 91%</a:t>
             </a:r>
           </a:p>
@@ -19879,7 +20064,9 @@
               <a:buChar char="•"/>
             </a:pPr>
             <a:r>
-              <a:rPr lang="sr-Latn-RS" sz="1600" dirty="0" smtClean="0"/>
+              <a:rPr lang="sr-Latn-RS" sz="1600" dirty="0" smtClean="0">
+                <a:latin typeface="Montserrat" charset="0"/>
+              </a:rPr>
               <a:t>Korišćene su napredne metode augmentacije teksta, i to: </a:t>
             </a:r>
           </a:p>
@@ -19889,7 +20076,9 @@
               <a:buAutoNum type="arabicPeriod"/>
             </a:pPr>
             <a:r>
-              <a:rPr lang="sr-Latn-RS" sz="1600" dirty="0" smtClean="0"/>
+              <a:rPr lang="sr-Latn-RS" sz="1600" dirty="0" smtClean="0">
+                <a:latin typeface="Montserrat" charset="0"/>
+              </a:rPr>
               <a:t>Embedding augmenter</a:t>
             </a:r>
           </a:p>
@@ -19899,7 +20088,9 @@
               <a:buAutoNum type="arabicPeriod"/>
             </a:pPr>
             <a:r>
-              <a:rPr lang="sr-Latn-RS" sz="1600" dirty="0" smtClean="0"/>
+              <a:rPr lang="sr-Latn-RS" sz="1600" dirty="0" smtClean="0">
+                <a:latin typeface="Montserrat" charset="0"/>
+              </a:rPr>
               <a:t>CLARE augmenter</a:t>
             </a:r>
           </a:p>
@@ -19909,7 +20100,9 @@
               <a:buAutoNum type="arabicPeriod"/>
             </a:pPr>
             <a:r>
-              <a:rPr lang="sr-Latn-RS" sz="1600" dirty="0" smtClean="0"/>
+              <a:rPr lang="sr-Latn-RS" sz="1600" dirty="0" smtClean="0">
+                <a:latin typeface="Montserrat" charset="0"/>
+              </a:rPr>
               <a:t>GPT-2 </a:t>
             </a:r>
           </a:p>
@@ -19919,7 +20112,9 @@
               <a:buAutoNum type="arabicPeriod"/>
             </a:pPr>
             <a:r>
-              <a:rPr lang="sr-Latn-RS" sz="1600" dirty="0" smtClean="0"/>
+              <a:rPr lang="sr-Latn-RS" sz="1600" dirty="0" smtClean="0">
+                <a:latin typeface="Montserrat" charset="0"/>
+              </a:rPr>
               <a:t>T5 parafraziranje</a:t>
             </a:r>
           </a:p>
@@ -19928,7 +20123,9 @@
               <a:buFont typeface="+mj-lt"/>
               <a:buAutoNum type="arabicPeriod"/>
             </a:pPr>
-            <a:endParaRPr lang="sr-Latn-RS" sz="1600" dirty="0" smtClean="0"/>
+            <a:endParaRPr lang="sr-Latn-RS" sz="1600" dirty="0" smtClean="0">
+              <a:latin typeface="Montserrat" charset="0"/>
+            </a:endParaRPr>
           </a:p>
           <a:p>
             <a:pPr marL="285750" indent="-285750">
@@ -19936,7 +20133,9 @@
               <a:buChar char="•"/>
             </a:pPr>
             <a:r>
-              <a:rPr lang="sr-Latn-RS" sz="1600" dirty="0" smtClean="0"/>
+              <a:rPr lang="sr-Latn-RS" sz="1600" dirty="0" smtClean="0">
+                <a:latin typeface="Montserrat" charset="0"/>
+              </a:rPr>
               <a:t>Logistička regresija: tačnost 91%</a:t>
             </a:r>
           </a:p>
@@ -19946,7 +20145,9 @@
               <a:buChar char="•"/>
             </a:pPr>
             <a:r>
-              <a:rPr lang="sr-Latn-RS" sz="1600" dirty="0" smtClean="0"/>
+              <a:rPr lang="sr-Latn-RS" sz="1600" dirty="0" smtClean="0">
+                <a:latin typeface="Montserrat" charset="0"/>
+              </a:rPr>
               <a:t>SVM: tačnost 93%</a:t>
             </a:r>
           </a:p>
@@ -19956,7 +20157,9 @@
               <a:buChar char="•"/>
             </a:pPr>
             <a:r>
-              <a:rPr lang="sr-Latn-RS" sz="1600" dirty="0" smtClean="0"/>
+              <a:rPr lang="sr-Latn-RS" sz="1600" dirty="0" smtClean="0">
+                <a:latin typeface="Montserrat" charset="0"/>
+              </a:rPr>
               <a:t>Naive Bayes: tačnost 87%</a:t>
             </a:r>
           </a:p>
@@ -19966,7 +20169,9 @@
               <a:buChar char="•"/>
             </a:pPr>
             <a:r>
-              <a:rPr lang="sr-Latn-RS" sz="1600" dirty="0" smtClean="0"/>
+              <a:rPr lang="sr-Latn-RS" sz="1600" dirty="0" smtClean="0">
+                <a:latin typeface="Montserrat" charset="0"/>
+              </a:rPr>
               <a:t>LSTM: tačnost 93%</a:t>
             </a:r>
           </a:p>
@@ -19976,7 +20181,9 @@
               <a:buChar char="•"/>
             </a:pPr>
             <a:r>
-              <a:rPr lang="sr-Latn-RS" sz="1600" dirty="0" smtClean="0"/>
+              <a:rPr lang="sr-Latn-RS" sz="1600" dirty="0" smtClean="0">
+                <a:latin typeface="Montserrat" charset="0"/>
+              </a:rPr>
               <a:t>CNN: tačnost 92%</a:t>
             </a:r>
           </a:p>
@@ -20616,7 +20823,7 @@
         <p:spPr>
           <a:xfrm>
             <a:off x="533400" y="1200150"/>
-            <a:ext cx="7620000" cy="1815882"/>
+            <a:ext cx="7620000" cy="2062103"/>
           </a:xfrm>
           <a:prstGeom prst="rect">
             <a:avLst/>
@@ -20634,7 +20841,9 @@
               <a:buChar char="•"/>
             </a:pPr>
             <a:r>
-              <a:rPr lang="sr-Latn-RS" sz="1600" dirty="0" smtClean="0"/>
+              <a:rPr lang="sr-Latn-RS" sz="1600" dirty="0" smtClean="0">
+                <a:latin typeface="Montserrat" charset="0"/>
+              </a:rPr>
               <a:t>Pravilno primenjena augmentacija podataka unapređuje tačnost modela</a:t>
             </a:r>
           </a:p>
@@ -20644,7 +20853,9 @@
               <a:buChar char="•"/>
             </a:pPr>
             <a:r>
-              <a:rPr lang="sr-Latn-RS" sz="1600" dirty="0" smtClean="0"/>
+              <a:rPr lang="sr-Latn-RS" sz="1600" dirty="0" smtClean="0">
+                <a:latin typeface="Montserrat" charset="0"/>
+              </a:rPr>
               <a:t>Kombinovanje različitih tehnika augmentacije dovodi do optimalnijih performansi</a:t>
             </a:r>
           </a:p>
@@ -20654,7 +20865,9 @@
               <a:buChar char="•"/>
             </a:pPr>
             <a:r>
-              <a:rPr lang="sr-Latn-RS" sz="1600" dirty="0" smtClean="0"/>
+              <a:rPr lang="sr-Latn-RS" sz="1600" dirty="0" smtClean="0">
+                <a:latin typeface="Montserrat" charset="0"/>
+              </a:rPr>
               <a:t>Korišćenje naprednih tehnika dovodi do najboljih rezultata uz cenu dugotrajnog procesa augmentacije</a:t>
             </a:r>
           </a:p>
@@ -20664,7 +20877,9 @@
               <a:buChar char="•"/>
             </a:pPr>
             <a:r>
-              <a:rPr lang="sr-Latn-RS" sz="1600" dirty="0" smtClean="0"/>
+              <a:rPr lang="sr-Latn-RS" sz="1600" dirty="0" smtClean="0">
+                <a:latin typeface="Montserrat" charset="0"/>
+              </a:rPr>
               <a:t>Korišćenje tradicionalnih metoda dovodi do solidnih rezultata uz kratko vreme izvrsenja procesa augmentacije</a:t>
             </a:r>
           </a:p>
@@ -21416,7 +21631,9 @@
               <a:buChar char="•"/>
             </a:pPr>
             <a:r>
-              <a:rPr lang="sr-Latn-RS" sz="1600" dirty="0" smtClean="0"/>
+              <a:rPr lang="sr-Latn-RS" sz="1600" dirty="0" smtClean="0">
+                <a:latin typeface="Montserrat" charset="0"/>
+              </a:rPr>
               <a:t>Priprema tekstualnih podataka predstavlja početni korak u obradi prirodnog jezika za unapređenje kvaliteta i relevantnosti podataka</a:t>
             </a:r>
           </a:p>
@@ -21426,7 +21643,9 @@
                 <a:spcPts val="600"/>
               </a:spcBef>
             </a:pPr>
-            <a:endParaRPr lang="sr-Latn-RS" sz="1600" dirty="0" smtClean="0"/>
+            <a:endParaRPr lang="sr-Latn-RS" sz="1600" dirty="0" smtClean="0">
+              <a:latin typeface="Montserrat" charset="0"/>
+            </a:endParaRPr>
           </a:p>
           <a:p>
             <a:pPr marL="342900" indent="-342900">
@@ -21437,7 +21656,9 @@
               <a:buAutoNum type="arabicPeriod"/>
             </a:pPr>
             <a:r>
-              <a:rPr lang="sr-Latn-RS" sz="1600" dirty="0" smtClean="0"/>
+              <a:rPr lang="sr-Latn-RS" sz="1600" dirty="0" smtClean="0">
+                <a:latin typeface="Montserrat" charset="0"/>
+              </a:rPr>
               <a:t>Čišćenje teksta:</a:t>
             </a:r>
           </a:p>
@@ -21450,7 +21671,9 @@
               <a:buChar char="•"/>
             </a:pPr>
             <a:r>
-              <a:rPr lang="sr-Latn-RS" sz="1600" dirty="0" smtClean="0"/>
+              <a:rPr lang="sr-Latn-RS" sz="1600" dirty="0" smtClean="0">
+                <a:latin typeface="Montserrat" charset="0"/>
+              </a:rPr>
               <a:t>Uklanjanje znakova interpunkcije </a:t>
             </a:r>
           </a:p>
@@ -21463,7 +21686,9 @@
               <a:buChar char="•"/>
             </a:pPr>
             <a:r>
-              <a:rPr lang="sr-Latn-RS" sz="1600" dirty="0" smtClean="0"/>
+              <a:rPr lang="sr-Latn-RS" sz="1600" dirty="0" smtClean="0">
+                <a:latin typeface="Montserrat" charset="0"/>
+              </a:rPr>
               <a:t>Uklanjanje brojeva</a:t>
             </a:r>
           </a:p>
@@ -21476,7 +21701,9 @@
               <a:buChar char="•"/>
             </a:pPr>
             <a:r>
-              <a:rPr lang="sr-Latn-RS" sz="1600" dirty="0" smtClean="0"/>
+              <a:rPr lang="sr-Latn-RS" sz="1600" dirty="0" smtClean="0">
+                <a:latin typeface="Montserrat" charset="0"/>
+              </a:rPr>
               <a:t>Uklanjanje emotikona</a:t>
             </a:r>
           </a:p>
@@ -21489,7 +21716,9 @@
               <a:buChar char="•"/>
             </a:pPr>
             <a:r>
-              <a:rPr lang="sr-Latn-RS" sz="1600" dirty="0" smtClean="0"/>
+              <a:rPr lang="sr-Latn-RS" sz="1600" dirty="0" smtClean="0">
+                <a:latin typeface="Montserrat" charset="0"/>
+              </a:rPr>
               <a:t>Uklanjanje URL-ova i email adresa</a:t>
             </a:r>
           </a:p>
@@ -21502,8 +21731,10 @@
               <a:buChar char="•"/>
             </a:pPr>
             <a:r>
-              <a:rPr lang="sr-Latn-RS" sz="1600" dirty="0" smtClean="0"/>
-              <a:t>Uklanjanje html tagova</a:t>
+              <a:rPr lang="sr-Latn-RS" sz="1600" dirty="0" smtClean="0">
+                <a:latin typeface="Montserrat" charset="0"/>
+              </a:rPr>
+              <a:t>Uklanjanje HTML tagova</a:t>
             </a:r>
           </a:p>
         </p:txBody>
@@ -21706,7 +21937,9 @@
               </a:spcBef>
             </a:pPr>
             <a:r>
-              <a:rPr lang="sr-Latn-RS" sz="1600" dirty="0" smtClean="0"/>
+              <a:rPr lang="sr-Latn-RS" sz="1600" dirty="0" smtClean="0">
+                <a:latin typeface="Montserrat" charset="0"/>
+              </a:rPr>
               <a:t>2.  Normalizacija:</a:t>
             </a:r>
           </a:p>
@@ -21719,7 +21952,9 @@
               <a:buChar char="•"/>
             </a:pPr>
             <a:r>
-              <a:rPr lang="sr-Latn-RS" sz="1600" dirty="0" smtClean="0"/>
+              <a:rPr lang="sr-Latn-RS" sz="1600" dirty="0" smtClean="0">
+                <a:latin typeface="Montserrat" charset="0"/>
+              </a:rPr>
               <a:t>Pretvaranje velikih slova u mala</a:t>
             </a:r>
           </a:p>
@@ -21732,7 +21967,9 @@
               <a:buChar char="•"/>
             </a:pPr>
             <a:r>
-              <a:rPr lang="sr-Latn-RS" sz="1600" dirty="0" smtClean="0"/>
+              <a:rPr lang="sr-Latn-RS" sz="1600" dirty="0" smtClean="0">
+                <a:latin typeface="Montserrat" charset="0"/>
+              </a:rPr>
               <a:t>Uklanjanje dijakritika</a:t>
             </a:r>
           </a:p>
@@ -21745,7 +21982,9 @@
               <a:buChar char="•"/>
             </a:pPr>
             <a:r>
-              <a:rPr lang="sr-Latn-RS" sz="1600" dirty="0" smtClean="0"/>
+              <a:rPr lang="sr-Latn-RS" sz="1600" dirty="0" smtClean="0">
+                <a:latin typeface="Montserrat" charset="0"/>
+              </a:rPr>
               <a:t>Standardizacija teksta</a:t>
             </a:r>
           </a:p>
@@ -21757,7 +21996,9 @@
               <a:buFont typeface="Arial" panose="020B0604020202020204" pitchFamily="34" charset="0"/>
               <a:buChar char="•"/>
             </a:pPr>
-            <a:endParaRPr lang="sr-Latn-RS" sz="1600" dirty="0"/>
+            <a:endParaRPr lang="sr-Latn-RS" sz="1600" dirty="0">
+              <a:latin typeface="Montserrat" charset="0"/>
+            </a:endParaRPr>
           </a:p>
           <a:p>
             <a:pPr>
@@ -21766,7 +22007,9 @@
               </a:spcBef>
             </a:pPr>
             <a:r>
-              <a:rPr lang="sr-Latn-RS" sz="1600" dirty="0" smtClean="0"/>
+              <a:rPr lang="sr-Latn-RS" sz="1600" dirty="0" smtClean="0">
+                <a:latin typeface="Montserrat" charset="0"/>
+              </a:rPr>
               <a:t>3. Tokenizacija</a:t>
             </a:r>
           </a:p>
@@ -21779,8 +22022,10 @@
               <a:buChar char="•"/>
             </a:pPr>
             <a:r>
-              <a:rPr lang="sr-Latn-RS" sz="1600" dirty="0" smtClean="0"/>
-              <a:t>Na nivou reči </a:t>
+              <a:rPr lang="sr-Latn-RS" sz="1600" dirty="0">
+                <a:latin typeface="Montserrat" charset="0"/>
+              </a:rPr>
+              <a:t>Na nivou karaktera</a:t>
             </a:r>
           </a:p>
           <a:p>
@@ -21792,9 +22037,14 @@
               <a:buChar char="•"/>
             </a:pPr>
             <a:r>
-              <a:rPr lang="sr-Latn-RS" sz="1600" dirty="0" smtClean="0"/>
-              <a:t>Na nivou rečenica</a:t>
-            </a:r>
+              <a:rPr lang="sr-Latn-RS" sz="1600" dirty="0">
+                <a:latin typeface="Montserrat" charset="0"/>
+              </a:rPr>
+              <a:t>Na nivou sub-reči </a:t>
+            </a:r>
+            <a:endParaRPr lang="sr-Latn-RS" sz="1600" dirty="0" smtClean="0">
+              <a:latin typeface="Montserrat" charset="0"/>
+            </a:endParaRPr>
           </a:p>
           <a:p>
             <a:pPr marL="285750" indent="-285750">
@@ -21805,8 +22055,10 @@
               <a:buChar char="•"/>
             </a:pPr>
             <a:r>
-              <a:rPr lang="sr-Latn-RS" sz="1600" dirty="0" smtClean="0"/>
-              <a:t>Na nivou karaktera</a:t>
+              <a:rPr lang="sr-Latn-RS" sz="1600" dirty="0" smtClean="0">
+                <a:latin typeface="Montserrat" charset="0"/>
+              </a:rPr>
+              <a:t>Na nivou reči </a:t>
             </a:r>
           </a:p>
           <a:p>
@@ -21818,8 +22070,10 @@
               <a:buChar char="•"/>
             </a:pPr>
             <a:r>
-              <a:rPr lang="sr-Latn-RS" sz="1600" dirty="0" smtClean="0"/>
-              <a:t>Na nivou sub-reči </a:t>
+              <a:rPr lang="sr-Latn-RS" sz="1600" dirty="0" smtClean="0">
+                <a:latin typeface="Montserrat" charset="0"/>
+              </a:rPr>
+              <a:t>Na nivou rečenica</a:t>
             </a:r>
           </a:p>
         </p:txBody>
@@ -22003,7 +22257,7 @@
         <p:spPr>
           <a:xfrm>
             <a:off x="609600" y="1352550"/>
-            <a:ext cx="7772400" cy="2846933"/>
+            <a:ext cx="7772400" cy="2769989"/>
           </a:xfrm>
           <a:prstGeom prst="rect">
             <a:avLst/>
@@ -22022,11 +22276,15 @@
               </a:spcBef>
             </a:pPr>
             <a:r>
-              <a:rPr lang="sr-Latn-RS" sz="1600" dirty="0"/>
+              <a:rPr lang="sr-Latn-RS" sz="1600" dirty="0">
+                <a:latin typeface="Montserrat" charset="0"/>
+              </a:rPr>
               <a:t>4</a:t>
             </a:r>
             <a:r>
-              <a:rPr lang="sr-Latn-RS" sz="1600" dirty="0" smtClean="0"/>
+              <a:rPr lang="sr-Latn-RS" sz="1600" dirty="0" smtClean="0">
+                <a:latin typeface="Montserrat" charset="0"/>
+              </a:rPr>
               <a:t>.  Lematizacija i stemovanje:</a:t>
             </a:r>
           </a:p>
@@ -22039,7 +22297,9 @@
               <a:buChar char="•"/>
             </a:pPr>
             <a:r>
-              <a:rPr lang="sr-Latn-RS" sz="1600" dirty="0" smtClean="0"/>
+              <a:rPr lang="sr-Latn-RS" sz="1600" dirty="0" smtClean="0">
+                <a:latin typeface="Montserrat" charset="0"/>
+              </a:rPr>
               <a:t>Lematizacija: pretvaranje reči u njen osnovni oblik na temelju značenja i konteksta</a:t>
             </a:r>
           </a:p>
@@ -22052,7 +22312,9 @@
               <a:buChar char="•"/>
             </a:pPr>
             <a:r>
-              <a:rPr lang="sr-Latn-RS" sz="1600" dirty="0" smtClean="0"/>
+              <a:rPr lang="sr-Latn-RS" sz="1600" dirty="0" smtClean="0">
+                <a:latin typeface="Montserrat" charset="0"/>
+              </a:rPr>
               <a:t>Stemovanje: skraćivanje reči uklanjanjem završetka bez obzira na značenje</a:t>
             </a:r>
           </a:p>
@@ -22062,7 +22324,9 @@
                 <a:spcPts val="600"/>
               </a:spcBef>
             </a:pPr>
-            <a:endParaRPr lang="sr-Latn-RS" sz="1600" dirty="0" smtClean="0"/>
+            <a:endParaRPr lang="sr-Latn-RS" sz="1600" dirty="0" smtClean="0">
+              <a:latin typeface="Montserrat" charset="0"/>
+            </a:endParaRPr>
           </a:p>
           <a:p>
             <a:pPr marL="342900" indent="-342900">
@@ -22072,7 +22336,9 @@
               <a:buAutoNum type="arabicPeriod" startAt="5"/>
             </a:pPr>
             <a:r>
-              <a:rPr lang="sr-Latn-RS" sz="1600" dirty="0" smtClean="0"/>
+              <a:rPr lang="sr-Latn-RS" sz="1600" dirty="0" smtClean="0">
+                <a:latin typeface="Montserrat" charset="0"/>
+              </a:rPr>
               <a:t>Uklanjanje stop-reči: </a:t>
             </a:r>
           </a:p>
@@ -22085,31 +22351,21 @@
               <a:buChar char="•"/>
             </a:pPr>
             <a:r>
-              <a:rPr lang="sr-Latn-RS" sz="1600" dirty="0" smtClean="0"/>
+              <a:rPr lang="sr-Latn-RS" sz="1600" dirty="0" smtClean="0">
+                <a:latin typeface="Montserrat" charset="0"/>
+              </a:rPr>
               <a:t>Uklanjanje uobičajenih reči koje ne nose mnogo informacija</a:t>
             </a:r>
           </a:p>
           <a:p>
-            <a:pPr marL="342900" indent="-342900">
+            <a:pPr>
               <a:spcBef>
                 <a:spcPts val="600"/>
               </a:spcBef>
-              <a:buFont typeface="Arial" panose="020B0604020202020204" pitchFamily="34" charset="0"/>
-              <a:buChar char="•"/>
             </a:pPr>
-            <a:r>
-              <a:rPr lang="sr-Latn-RS" sz="1600" dirty="0" smtClean="0"/>
-              <a:t>Kreiranje prilagođenih lista za specifične namene</a:t>
-            </a:r>
-          </a:p>
-          <a:p>
-            <a:pPr marL="342900" indent="-342900">
-              <a:spcBef>
-                <a:spcPts val="600"/>
-              </a:spcBef>
-              <a:buAutoNum type="arabicPeriod" startAt="3"/>
-            </a:pPr>
-            <a:endParaRPr lang="sr-Latn-RS" sz="1600" dirty="0" smtClean="0"/>
+            <a:endParaRPr lang="sr-Latn-RS" sz="1600" dirty="0" smtClean="0">
+              <a:latin typeface="Montserrat" charset="0"/>
+            </a:endParaRPr>
           </a:p>
         </p:txBody>
       </p:sp>
@@ -22311,7 +22567,9 @@
               </a:spcBef>
             </a:pPr>
             <a:r>
-              <a:rPr lang="sr-Latn-RS" sz="1600" dirty="0" smtClean="0"/>
+              <a:rPr lang="sr-Latn-RS" sz="1600" dirty="0" smtClean="0">
+                <a:latin typeface="Montserrat" charset="0"/>
+              </a:rPr>
               <a:t>6.  Spajanje kontrakcija:</a:t>
             </a:r>
           </a:p>
@@ -22324,7 +22582,9 @@
               <a:buChar char="•"/>
             </a:pPr>
             <a:r>
-              <a:rPr lang="sr-Latn-RS" sz="1600" dirty="0" smtClean="0"/>
+              <a:rPr lang="sr-Latn-RS" sz="1600" dirty="0" smtClean="0">
+                <a:latin typeface="Montserrat" charset="0"/>
+              </a:rPr>
               <a:t>Pretvaranje skraćenih oblika u pun oblik</a:t>
             </a:r>
           </a:p>
@@ -22336,7 +22596,9 @@
               <a:buFont typeface="Arial" panose="020B0604020202020204" pitchFamily="34" charset="0"/>
               <a:buChar char="•"/>
             </a:pPr>
-            <a:endParaRPr lang="sr-Latn-RS" sz="1600" dirty="0"/>
+            <a:endParaRPr lang="sr-Latn-RS" sz="1600" dirty="0">
+              <a:latin typeface="Montserrat" charset="0"/>
+            </a:endParaRPr>
           </a:p>
           <a:p>
             <a:pPr marL="342900" indent="-342900">
@@ -22346,7 +22608,9 @@
               <a:buAutoNum type="arabicPeriod" startAt="7"/>
             </a:pPr>
             <a:r>
-              <a:rPr lang="sr-Latn-RS" sz="1600" dirty="0" smtClean="0"/>
+              <a:rPr lang="sr-Latn-RS" sz="1600" dirty="0" smtClean="0">
+                <a:latin typeface="Montserrat" charset="0"/>
+              </a:rPr>
               <a:t>Uklanjanje duplikata:</a:t>
             </a:r>
           </a:p>
@@ -22359,7 +22623,9 @@
               <a:buChar char="•"/>
             </a:pPr>
             <a:r>
-              <a:rPr lang="sr-Latn-RS" sz="1600" dirty="0" smtClean="0"/>
+              <a:rPr lang="sr-Latn-RS" sz="1600" dirty="0" smtClean="0">
+                <a:latin typeface="Montserrat" charset="0"/>
+              </a:rPr>
               <a:t>Uklanjanje tekstova koji se ponavljaju više puta</a:t>
             </a:r>
           </a:p>
